--- a/labs/docs/lab4.pptx
+++ b/labs/docs/lab4.pptx
@@ -255,7 +255,7 @@
           <a:p>
             <a:fld id="{C087EBFC-4C71-45DC-A0E1-46F8394EE8A8}" type="datetimeFigureOut">
               <a:rPr lang="en-US" smtClean="0"/>
-              <a:t>2/8/2022</a:t>
+              <a:t>3/7/2022</a:t>
             </a:fld>
             <a:endParaRPr lang="en-US"/>
           </a:p>
@@ -423,7 +423,7 @@
           <a:p>
             <a:fld id="{C087EBFC-4C71-45DC-A0E1-46F8394EE8A8}" type="datetimeFigureOut">
               <a:rPr lang="en-US" smtClean="0"/>
-              <a:t>2/8/2022</a:t>
+              <a:t>3/7/2022</a:t>
             </a:fld>
             <a:endParaRPr lang="en-US"/>
           </a:p>
@@ -601,7 +601,7 @@
           <a:p>
             <a:fld id="{C087EBFC-4C71-45DC-A0E1-46F8394EE8A8}" type="datetimeFigureOut">
               <a:rPr lang="en-US" smtClean="0"/>
-              <a:t>2/8/2022</a:t>
+              <a:t>3/7/2022</a:t>
             </a:fld>
             <a:endParaRPr lang="en-US"/>
           </a:p>
@@ -769,7 +769,7 @@
           <a:p>
             <a:fld id="{C087EBFC-4C71-45DC-A0E1-46F8394EE8A8}" type="datetimeFigureOut">
               <a:rPr lang="en-US" smtClean="0"/>
-              <a:t>2/8/2022</a:t>
+              <a:t>3/7/2022</a:t>
             </a:fld>
             <a:endParaRPr lang="en-US"/>
           </a:p>
@@ -1014,7 +1014,7 @@
           <a:p>
             <a:fld id="{C087EBFC-4C71-45DC-A0E1-46F8394EE8A8}" type="datetimeFigureOut">
               <a:rPr lang="en-US" smtClean="0"/>
-              <a:t>2/8/2022</a:t>
+              <a:t>3/7/2022</a:t>
             </a:fld>
             <a:endParaRPr lang="en-US"/>
           </a:p>
@@ -1243,7 +1243,7 @@
           <a:p>
             <a:fld id="{C087EBFC-4C71-45DC-A0E1-46F8394EE8A8}" type="datetimeFigureOut">
               <a:rPr lang="en-US" smtClean="0"/>
-              <a:t>2/8/2022</a:t>
+              <a:t>3/7/2022</a:t>
             </a:fld>
             <a:endParaRPr lang="en-US"/>
           </a:p>
@@ -1607,7 +1607,7 @@
           <a:p>
             <a:fld id="{C087EBFC-4C71-45DC-A0E1-46F8394EE8A8}" type="datetimeFigureOut">
               <a:rPr lang="en-US" smtClean="0"/>
-              <a:t>2/8/2022</a:t>
+              <a:t>3/7/2022</a:t>
             </a:fld>
             <a:endParaRPr lang="en-US"/>
           </a:p>
@@ -1724,7 +1724,7 @@
           <a:p>
             <a:fld id="{C087EBFC-4C71-45DC-A0E1-46F8394EE8A8}" type="datetimeFigureOut">
               <a:rPr lang="en-US" smtClean="0"/>
-              <a:t>2/8/2022</a:t>
+              <a:t>3/7/2022</a:t>
             </a:fld>
             <a:endParaRPr lang="en-US"/>
           </a:p>
@@ -1819,7 +1819,7 @@
           <a:p>
             <a:fld id="{C087EBFC-4C71-45DC-A0E1-46F8394EE8A8}" type="datetimeFigureOut">
               <a:rPr lang="en-US" smtClean="0"/>
-              <a:t>2/8/2022</a:t>
+              <a:t>3/7/2022</a:t>
             </a:fld>
             <a:endParaRPr lang="en-US"/>
           </a:p>
@@ -2094,7 +2094,7 @@
           <a:p>
             <a:fld id="{C087EBFC-4C71-45DC-A0E1-46F8394EE8A8}" type="datetimeFigureOut">
               <a:rPr lang="en-US" smtClean="0"/>
-              <a:t>2/8/2022</a:t>
+              <a:t>3/7/2022</a:t>
             </a:fld>
             <a:endParaRPr lang="en-US"/>
           </a:p>
@@ -2346,7 +2346,7 @@
           <a:p>
             <a:fld id="{C087EBFC-4C71-45DC-A0E1-46F8394EE8A8}" type="datetimeFigureOut">
               <a:rPr lang="en-US" smtClean="0"/>
-              <a:t>2/8/2022</a:t>
+              <a:t>3/7/2022</a:t>
             </a:fld>
             <a:endParaRPr lang="en-US"/>
           </a:p>
@@ -2557,7 +2557,7 @@
           <a:p>
             <a:fld id="{C087EBFC-4C71-45DC-A0E1-46F8394EE8A8}" type="datetimeFigureOut">
               <a:rPr lang="en-US" smtClean="0"/>
-              <a:t>2/8/2022</a:t>
+              <a:t>3/7/2022</a:t>
             </a:fld>
             <a:endParaRPr lang="en-US"/>
           </a:p>
@@ -2971,7 +2971,7 @@
         <p:spPr>
           <a:xfrm>
             <a:off x="2111672" y="1381468"/>
-            <a:ext cx="8117767" cy="3785652"/>
+            <a:ext cx="8117767" cy="4339650"/>
           </a:xfrm>
           <a:prstGeom prst="rect">
             <a:avLst/>
@@ -2985,13 +2985,22 @@
           <a:p>
             <a:pPr algn="ctr"/>
             <a:r>
+              <a:rPr lang="en-US" sz="3600" b="1">
+                <a:solidFill>
+                  <a:srgbClr val="002060"/>
+                </a:solidFill>
+                <a:latin typeface="Trebuchet"/>
+              </a:rPr>
+              <a:t>Java File </a:t>
+            </a:r>
+            <a:r>
               <a:rPr lang="en-US" sz="3600" b="1" dirty="0">
                 <a:solidFill>
                   <a:srgbClr val="002060"/>
                 </a:solidFill>
                 <a:latin typeface="Trebuchet"/>
               </a:rPr>
-              <a:t>Creating Classes and Objects</a:t>
+              <a:t>IO</a:t>
             </a:r>
             <a:br>
               <a:rPr lang="en-US" sz="3600" b="1" dirty="0">
@@ -3060,7 +3069,7 @@
                 </a:solidFill>
                 <a:latin typeface="Trebuchet"/>
               </a:rPr>
-              <a:t>2016 Fall</a:t>
+              <a:t>2022 Spring</a:t>
             </a:r>
             <a:br>
               <a:rPr lang="en-US" sz="3600" dirty="0">
@@ -3078,19 +3087,62 @@
                 <a:latin typeface="Trebuchet"/>
               </a:rPr>
             </a:br>
+            <a:r>
+              <a:rPr lang="en-US" altLang="zh-CN" sz="2400" dirty="0" err="1">
+                <a:latin typeface="Trebuchet"/>
+              </a:rPr>
+              <a:t>ChengPeng</a:t>
+            </a:r>
+            <a:r>
+              <a:rPr lang="en-US" altLang="zh-CN" sz="2400" dirty="0">
+                <a:latin typeface="Trebuchet"/>
+              </a:rPr>
+              <a:t> Wang(cwangch@cse.ust.hk)</a:t>
+            </a:r>
             <a:br>
-              <a:rPr lang="en-US" sz="3600" dirty="0">
-                <a:solidFill>
-                  <a:srgbClr val="00B050"/>
-                </a:solidFill>
+              <a:rPr lang="en-US" altLang="zh-CN" sz="2400" dirty="0">
                 <a:latin typeface="Trebuchet"/>
               </a:rPr>
             </a:br>
             <a:r>
-              <a:rPr lang="en-US" sz="2400" dirty="0">
+              <a:rPr lang="en-US" altLang="zh-CN" sz="2400" dirty="0" err="1">
                 <a:latin typeface="Trebuchet"/>
               </a:rPr>
-              <a:t>Bowen Zhang(bowen.zhang@connect.ust.hk)</a:t>
+              <a:t>Yiyuan</a:t>
+            </a:r>
+            <a:r>
+              <a:rPr lang="en-US" altLang="zh-CN" sz="2400" dirty="0">
+                <a:latin typeface="Trebuchet"/>
+              </a:rPr>
+              <a:t> Guo(yguoaz@cse.ust.hk)</a:t>
+            </a:r>
+            <a:br>
+              <a:rPr lang="en-US" altLang="zh-CN" sz="2400" dirty="0">
+                <a:latin typeface="Trebuchet"/>
+              </a:rPr>
+            </a:br>
+            <a:r>
+              <a:rPr lang="en-US" altLang="zh-CN" sz="2400" dirty="0">
+                <a:latin typeface="Trebuchet"/>
+              </a:rPr>
+              <a:t>Bowen Zhang(bzhangbr@cse.ust.hk)</a:t>
+            </a:r>
+            <a:br>
+              <a:rPr lang="en-US" altLang="zh-CN" sz="2400" dirty="0">
+                <a:latin typeface="Trebuchet"/>
+              </a:rPr>
+            </a:br>
+            <a:r>
+              <a:rPr lang="en-US" altLang="zh-CN" sz="2400" dirty="0" err="1">
+                <a:latin typeface="Trebuchet"/>
+              </a:rPr>
+              <a:t>Heqing</a:t>
+            </a:r>
+            <a:r>
+              <a:rPr lang="en-US" altLang="zh-CN" sz="2400" dirty="0">
+                <a:latin typeface="Trebuchet"/>
+              </a:rPr>
+              <a:t> Huang(hhuangaz@cse.ust.hk)</a:t>
             </a:r>
             <a:endParaRPr lang="en-US" sz="2400" dirty="0"/>
           </a:p>
